--- a/diploma.pptx
+++ b/diploma.pptx
@@ -129,6 +129,60 @@
 </p:presentation>
 </file>
 
+<file path=ppt/commentAuthors.xml><?xml version="1.0" encoding="utf-8"?>
+<p:cmAuthorLst xmlns:a="http://schemas.openxmlformats.org/drawingml/2006/main" xmlns:r="http://schemas.openxmlformats.org/officeDocument/2006/relationships" xmlns:p="http://schemas.openxmlformats.org/presentationml/2006/main">
+  <p:cmAuthor id="1" name="pk" initials="p" lastIdx="3" clrIdx="0">
+    <p:extLst>
+      <p:ext uri="{19B8F6BF-5375-455C-9EA6-DF929625EA0E}">
+        <p15:presenceInfo xmlns:p15="http://schemas.microsoft.com/office/powerpoint/2012/main" userId="pk" providerId="None"/>
+      </p:ext>
+    </p:extLst>
+  </p:cmAuthor>
+</p:cmAuthorLst>
+</file>
+
+<file path=ppt/comments/comment1.xml><?xml version="1.0" encoding="utf-8"?>
+<p:cmLst xmlns:a="http://schemas.openxmlformats.org/drawingml/2006/main" xmlns:r="http://schemas.openxmlformats.org/officeDocument/2006/relationships" xmlns:p="http://schemas.openxmlformats.org/presentationml/2006/main">
+  <p:cm authorId="1" dt="2015-06-02T00:43:29.552" idx="1">
+    <p:pos x="6176" y="451"/>
+    <p:text>Как-то слабо похоже на обзор. Это скорее примеры классификации средств/технологий.</p:text>
+    <p:extLst>
+      <p:ext uri="{C676402C-5697-4E1C-873F-D02D1690AC5C}">
+        <p15:threadingInfo xmlns:p15="http://schemas.microsoft.com/office/powerpoint/2012/main" timeZoneBias="-180"/>
+      </p:ext>
+    </p:extLst>
+  </p:cm>
+</p:cmLst>
+</file>
+
+<file path=ppt/comments/comment2.xml><?xml version="1.0" encoding="utf-8"?>
+<p:cmLst xmlns:a="http://schemas.openxmlformats.org/drawingml/2006/main" xmlns:r="http://schemas.openxmlformats.org/officeDocument/2006/relationships" xmlns:p="http://schemas.openxmlformats.org/presentationml/2006/main">
+  <p:cm authorId="1" dt="2015-06-02T00:44:40.061" idx="2">
+    <p:pos x="3414" y="451"/>
+    <p:text>Может лучше - артифактов?</p:text>
+    <p:extLst>
+      <p:ext uri="{C676402C-5697-4E1C-873F-D02D1690AC5C}">
+        <p15:threadingInfo xmlns:p15="http://schemas.microsoft.com/office/powerpoint/2012/main" timeZoneBias="-180"/>
+      </p:ext>
+    </p:extLst>
+  </p:cm>
+</p:cmLst>
+</file>
+
+<file path=ppt/comments/comment3.xml><?xml version="1.0" encoding="utf-8"?>
+<p:cmLst xmlns:a="http://schemas.openxmlformats.org/drawingml/2006/main" xmlns:r="http://schemas.openxmlformats.org/officeDocument/2006/relationships" xmlns:p="http://schemas.openxmlformats.org/presentationml/2006/main">
+  <p:cm authorId="1" dt="2015-06-02T01:20:08.968" idx="3">
+    <p:pos x="6378" y="451"/>
+    <p:text>Я бы на рисунке прямоугольник Host virtual memory сделал шире, чуть меньше ширины всего рисунка, показав тем самым, что виртуальная память "больше" физической</p:text>
+    <p:extLst>
+      <p:ext uri="{C676402C-5697-4E1C-873F-D02D1690AC5C}">
+        <p15:threadingInfo xmlns:p15="http://schemas.microsoft.com/office/powerpoint/2012/main" timeZoneBias="-180"/>
+      </p:ext>
+    </p:extLst>
+  </p:cm>
+</p:cmLst>
+</file>
+
 <file path=ppt/slideLayouts/slideLayout1.xml><?xml version="1.0" encoding="utf-8"?>
 <p:sldLayout xmlns:a="http://schemas.openxmlformats.org/drawingml/2006/main" xmlns:r="http://schemas.openxmlformats.org/officeDocument/2006/relationships" xmlns:p="http://schemas.openxmlformats.org/presentationml/2006/main" type="title" preserve="1">
   <p:cSld name="Титульный слайд">
@@ -260,7 +314,7 @@
           <a:p>
             <a:fld id="{38BA8593-EADC-4F8B-BDDF-10F5B67768EB}" type="datetimeFigureOut">
               <a:rPr lang="ru-RU" smtClean="0"/>
-              <a:t>31.05.2015</a:t>
+              <a:t>02.06.2015</a:t>
             </a:fld>
             <a:endParaRPr lang="ru-RU"/>
           </a:p>
@@ -430,7 +484,7 @@
           <a:p>
             <a:fld id="{38BA8593-EADC-4F8B-BDDF-10F5B67768EB}" type="datetimeFigureOut">
               <a:rPr lang="ru-RU" smtClean="0"/>
-              <a:t>31.05.2015</a:t>
+              <a:t>02.06.2015</a:t>
             </a:fld>
             <a:endParaRPr lang="ru-RU"/>
           </a:p>
@@ -610,7 +664,7 @@
           <a:p>
             <a:fld id="{38BA8593-EADC-4F8B-BDDF-10F5B67768EB}" type="datetimeFigureOut">
               <a:rPr lang="ru-RU" smtClean="0"/>
-              <a:t>31.05.2015</a:t>
+              <a:t>02.06.2015</a:t>
             </a:fld>
             <a:endParaRPr lang="ru-RU"/>
           </a:p>
@@ -780,7 +834,7 @@
           <a:p>
             <a:fld id="{38BA8593-EADC-4F8B-BDDF-10F5B67768EB}" type="datetimeFigureOut">
               <a:rPr lang="ru-RU" smtClean="0"/>
-              <a:t>31.05.2015</a:t>
+              <a:t>02.06.2015</a:t>
             </a:fld>
             <a:endParaRPr lang="ru-RU"/>
           </a:p>
@@ -1026,7 +1080,7 @@
           <a:p>
             <a:fld id="{38BA8593-EADC-4F8B-BDDF-10F5B67768EB}" type="datetimeFigureOut">
               <a:rPr lang="ru-RU" smtClean="0"/>
-              <a:t>31.05.2015</a:t>
+              <a:t>02.06.2015</a:t>
             </a:fld>
             <a:endParaRPr lang="ru-RU"/>
           </a:p>
@@ -1258,7 +1312,7 @@
           <a:p>
             <a:fld id="{38BA8593-EADC-4F8B-BDDF-10F5B67768EB}" type="datetimeFigureOut">
               <a:rPr lang="ru-RU" smtClean="0"/>
-              <a:t>31.05.2015</a:t>
+              <a:t>02.06.2015</a:t>
             </a:fld>
             <a:endParaRPr lang="ru-RU"/>
           </a:p>
@@ -1625,7 +1679,7 @@
           <a:p>
             <a:fld id="{38BA8593-EADC-4F8B-BDDF-10F5B67768EB}" type="datetimeFigureOut">
               <a:rPr lang="ru-RU" smtClean="0"/>
-              <a:t>31.05.2015</a:t>
+              <a:t>02.06.2015</a:t>
             </a:fld>
             <a:endParaRPr lang="ru-RU"/>
           </a:p>
@@ -1743,7 +1797,7 @@
           <a:p>
             <a:fld id="{38BA8593-EADC-4F8B-BDDF-10F5B67768EB}" type="datetimeFigureOut">
               <a:rPr lang="ru-RU" smtClean="0"/>
-              <a:t>31.05.2015</a:t>
+              <a:t>02.06.2015</a:t>
             </a:fld>
             <a:endParaRPr lang="ru-RU"/>
           </a:p>
@@ -1838,7 +1892,7 @@
           <a:p>
             <a:fld id="{38BA8593-EADC-4F8B-BDDF-10F5B67768EB}" type="datetimeFigureOut">
               <a:rPr lang="ru-RU" smtClean="0"/>
-              <a:t>31.05.2015</a:t>
+              <a:t>02.06.2015</a:t>
             </a:fld>
             <a:endParaRPr lang="ru-RU"/>
           </a:p>
@@ -2115,7 +2169,7 @@
           <a:p>
             <a:fld id="{38BA8593-EADC-4F8B-BDDF-10F5B67768EB}" type="datetimeFigureOut">
               <a:rPr lang="ru-RU" smtClean="0"/>
-              <a:t>31.05.2015</a:t>
+              <a:t>02.06.2015</a:t>
             </a:fld>
             <a:endParaRPr lang="ru-RU"/>
           </a:p>
@@ -2368,7 +2422,7 @@
           <a:p>
             <a:fld id="{38BA8593-EADC-4F8B-BDDF-10F5B67768EB}" type="datetimeFigureOut">
               <a:rPr lang="ru-RU" smtClean="0"/>
-              <a:t>31.05.2015</a:t>
+              <a:t>02.06.2015</a:t>
             </a:fld>
             <a:endParaRPr lang="ru-RU"/>
           </a:p>
@@ -2581,7 +2635,7 @@
           <a:p>
             <a:fld id="{38BA8593-EADC-4F8B-BDDF-10F5B67768EB}" type="datetimeFigureOut">
               <a:rPr lang="ru-RU" smtClean="0"/>
-              <a:t>31.05.2015</a:t>
+              <a:t>02.06.2015</a:t>
             </a:fld>
             <a:endParaRPr lang="ru-RU"/>
           </a:p>
@@ -4490,11 +4544,7 @@
             </a:r>
             <a:r>
               <a:rPr lang="ru-RU" sz="2900" dirty="0" smtClean="0"/>
-              <a:t>оперативной </a:t>
-            </a:r>
-            <a:r>
-              <a:rPr lang="ru-RU" sz="2900" dirty="0" smtClean="0"/>
-              <a:t>памяти</a:t>
+              <a:t>оперативной памяти</a:t>
             </a:r>
           </a:p>
           <a:p>
@@ -4933,15 +4983,7 @@
             </a:pPr>
             <a:r>
               <a:rPr lang="ru-RU" sz="3200" dirty="0" smtClean="0"/>
-              <a:t>Задача </a:t>
-            </a:r>
-            <a:r>
-              <a:rPr lang="ru-RU" sz="3200" dirty="0" smtClean="0"/>
-              <a:t>извлечения информации</a:t>
-            </a:r>
-            <a:r>
-              <a:rPr lang="ru-RU" sz="3200" dirty="0" smtClean="0"/>
-              <a:t>:</a:t>
+              <a:t>Задача извлечения информации:</a:t>
             </a:r>
           </a:p>
           <a:p>
@@ -4974,11 +5016,7 @@
             </a:r>
             <a:r>
               <a:rPr lang="ru-RU" sz="3200" dirty="0" smtClean="0"/>
-              <a:t>– извлечение данных из энергозависимой (оперативной) памяти</a:t>
-            </a:r>
-            <a:r>
-              <a:rPr lang="ru-RU" sz="3200" dirty="0" smtClean="0"/>
-              <a:t>.</a:t>
+              <a:t>– извлечение данных из энергозависимой (оперативной) памяти.</a:t>
             </a:r>
           </a:p>
           <a:p>
@@ -4996,11 +5034,7 @@
             </a:r>
             <a:r>
               <a:rPr lang="ru-RU" sz="3200" dirty="0" smtClean="0"/>
-              <a:t>– извлечение данных из энергонезависимых </a:t>
-            </a:r>
-            <a:r>
-              <a:rPr lang="ru-RU" sz="3200" dirty="0" smtClean="0"/>
-              <a:t>устройств (накопителей).</a:t>
+              <a:t>– извлечение данных из энергонезависимых устройств (накопителей).</a:t>
             </a:r>
             <a:endParaRPr lang="en-US" sz="3200" dirty="0" smtClean="0"/>
           </a:p>
@@ -5417,23 +5451,58 @@
               <a:buNone/>
             </a:pPr>
             <a:r>
-              <a:rPr lang="ru-RU" sz="2600" i="1" dirty="0" smtClean="0"/>
-              <a:t>1. Корректность сбора доказательств</a:t>
-            </a:r>
+              <a:rPr lang="ru-RU" sz="2600" b="1" i="1" dirty="0" smtClean="0"/>
+              <a:t>1. </a:t>
+            </a:r>
+            <a:r>
+              <a:rPr lang="ru-RU" sz="2600" b="1" i="1" dirty="0" smtClean="0"/>
+              <a:t>По к</a:t>
+            </a:r>
+            <a:r>
+              <a:rPr lang="ru-RU" sz="2600" b="1" i="1" dirty="0" smtClean="0"/>
+              <a:t>орректности </a:t>
+            </a:r>
+            <a:r>
+              <a:rPr lang="ru-RU" sz="2600" b="1" i="1" dirty="0" smtClean="0"/>
+              <a:t>сбора </a:t>
+            </a:r>
+            <a:r>
+              <a:rPr lang="ru-RU" sz="2600" b="1" i="1" dirty="0" smtClean="0"/>
+              <a:t>доказательств:</a:t>
+            </a:r>
+            <a:endParaRPr lang="ru-RU" sz="2600" b="1" i="1" dirty="0" smtClean="0"/>
           </a:p>
           <a:p>
             <a:pPr lvl="1"/>
             <a:r>
+              <a:rPr lang="ru-RU" sz="2600" dirty="0" err="1"/>
+              <a:t>криминалистически</a:t>
+            </a:r>
+            <a:r>
               <a:rPr lang="ru-RU" sz="2600" dirty="0"/>
-              <a:t>криминалистически правильный,</a:t>
-            </a:r>
+              <a:t> </a:t>
+            </a:r>
+            <a:r>
+              <a:rPr lang="ru-RU" sz="2600" dirty="0" smtClean="0"/>
+              <a:t>правильные,</a:t>
+            </a:r>
+            <a:endParaRPr lang="ru-RU" sz="2600" dirty="0"/>
           </a:p>
           <a:p>
             <a:pPr lvl="1"/>
             <a:r>
+              <a:rPr lang="ru-RU" sz="2600" dirty="0" err="1"/>
+              <a:t>криминалистически</a:t>
+            </a:r>
+            <a:r>
               <a:rPr lang="ru-RU" sz="2600" dirty="0"/>
-              <a:t>криминалистически сомнительный,</a:t>
-            </a:r>
+              <a:t> </a:t>
+            </a:r>
+            <a:r>
+              <a:rPr lang="ru-RU" sz="2600" dirty="0" smtClean="0"/>
+              <a:t>сомнительные,</a:t>
+            </a:r>
+            <a:endParaRPr lang="ru-RU" sz="2600" dirty="0"/>
           </a:p>
           <a:p>
             <a:pPr lvl="1">
@@ -5442,24 +5511,46 @@
               </a:spcAft>
             </a:pPr>
             <a:r>
+              <a:rPr lang="ru-RU" sz="2600" dirty="0" err="1"/>
+              <a:t>криминалистически</a:t>
+            </a:r>
+            <a:r>
               <a:rPr lang="ru-RU" sz="2600" dirty="0"/>
-              <a:t>криминалистически неправильный.</a:t>
-            </a:r>
+              <a:t> </a:t>
+            </a:r>
+            <a:r>
+              <a:rPr lang="ru-RU" sz="2600" dirty="0" smtClean="0"/>
+              <a:t>неправильные.</a:t>
+            </a:r>
+            <a:endParaRPr lang="ru-RU" sz="2600" dirty="0"/>
           </a:p>
           <a:p>
             <a:pPr marL="0" indent="0">
               <a:buNone/>
             </a:pPr>
             <a:r>
-              <a:rPr lang="ru-RU" sz="2600" i="1" dirty="0" smtClean="0"/>
-              <a:t>2. Приостановка функционирования исследуемого оборудования</a:t>
-            </a:r>
+              <a:rPr lang="ru-RU" sz="2600" b="1" i="1" dirty="0" smtClean="0"/>
+              <a:t>2. </a:t>
+            </a:r>
+            <a:r>
+              <a:rPr lang="ru-RU" sz="2600" b="1" i="1" dirty="0" smtClean="0"/>
+              <a:t>По необходимости остановки функционирования оборудования:</a:t>
+            </a:r>
+            <a:endParaRPr lang="ru-RU" sz="2600" b="1" i="1" dirty="0" smtClean="0"/>
           </a:p>
           <a:p>
             <a:pPr lvl="1"/>
             <a:r>
               <a:rPr lang="ru-RU" sz="2600" dirty="0"/>
-              <a:t>методы (средства), не требующие остановки целевой системы (</a:t>
+              <a:t>Н</a:t>
+            </a:r>
+            <a:r>
+              <a:rPr lang="ru-RU" sz="2600" dirty="0" smtClean="0"/>
+              <a:t>е </a:t>
+            </a:r>
+            <a:r>
+              <a:rPr lang="ru-RU" sz="2600" dirty="0"/>
+              <a:t>требующие остановки целевой системы (</a:t>
             </a:r>
             <a:r>
               <a:rPr lang="ru-RU" sz="2600" i="1" dirty="0"/>
@@ -5477,8 +5568,12 @@
               </a:spcAft>
             </a:pPr>
             <a:r>
+              <a:rPr lang="ru-RU" sz="2600" dirty="0" smtClean="0"/>
+              <a:t>Требующие </a:t>
+            </a:r>
+            <a:r>
               <a:rPr lang="ru-RU" sz="2600" dirty="0"/>
-              <a:t>методы (средства), требующие остановки целевой системы (</a:t>
+              <a:t>остановки целевой системы (</a:t>
             </a:r>
             <a:r>
               <a:rPr lang="ru-RU" sz="2600" i="1" dirty="0"/>
@@ -5494,23 +5589,54 @@
               <a:buNone/>
             </a:pPr>
             <a:r>
-              <a:rPr lang="ru-RU" sz="2600" i="1" dirty="0" smtClean="0"/>
-              <a:t>3. Инвазивность исследовательских действий</a:t>
-            </a:r>
+              <a:rPr lang="ru-RU" sz="2600" b="1" i="1" dirty="0" smtClean="0"/>
+              <a:t>3. </a:t>
+            </a:r>
+            <a:r>
+              <a:rPr lang="ru-RU" sz="2600" b="1" i="1" dirty="0" smtClean="0"/>
+              <a:t>По </a:t>
+            </a:r>
+            <a:r>
+              <a:rPr lang="ru-RU" sz="2600" b="1" i="1" dirty="0" err="1" smtClean="0"/>
+              <a:t>и</a:t>
+            </a:r>
+            <a:r>
+              <a:rPr lang="ru-RU" sz="2600" b="1" i="1" dirty="0" err="1" smtClean="0"/>
+              <a:t>нвазивности</a:t>
+            </a:r>
+            <a:r>
+              <a:rPr lang="ru-RU" sz="2600" b="1" i="1" dirty="0" smtClean="0"/>
+              <a:t> </a:t>
+            </a:r>
+            <a:r>
+              <a:rPr lang="ru-RU" sz="2600" b="1" i="1" dirty="0" smtClean="0"/>
+              <a:t>исследовательских </a:t>
+            </a:r>
+            <a:r>
+              <a:rPr lang="ru-RU" sz="2600" b="1" i="1" dirty="0" smtClean="0"/>
+              <a:t>действий:</a:t>
+            </a:r>
+            <a:endParaRPr lang="ru-RU" sz="2600" b="1" i="1" dirty="0" smtClean="0"/>
           </a:p>
           <a:p>
             <a:pPr lvl="1"/>
             <a:r>
-              <a:rPr lang="ru-RU" sz="2600" dirty="0"/>
+              <a:rPr lang="ru-RU" sz="2600" dirty="0" smtClean="0"/>
               <a:t>инвазивные,</a:t>
             </a:r>
+            <a:endParaRPr lang="ru-RU" sz="2600" dirty="0"/>
           </a:p>
           <a:p>
             <a:pPr lvl="1"/>
             <a:r>
-              <a:rPr lang="ru-RU" sz="2600" dirty="0"/>
-              <a:t>неинвазивные.</a:t>
-            </a:r>
+              <a:rPr lang="ru-RU" sz="2600" dirty="0" err="1" smtClean="0"/>
+              <a:t>неинвазивные</a:t>
+            </a:r>
+            <a:r>
+              <a:rPr lang="ru-RU" sz="2600" dirty="0" smtClean="0"/>
+              <a:t>.</a:t>
+            </a:r>
+            <a:endParaRPr lang="ru-RU" sz="2600" dirty="0"/>
           </a:p>
           <a:p>
             <a:pPr marL="0" indent="0">
@@ -5850,7 +5976,11 @@
             </a:pPr>
             <a:r>
               <a:rPr lang="ru-RU" dirty="0" smtClean="0"/>
-              <a:t>Файл реестра</a:t>
+              <a:t>Отображение в памяти файла </a:t>
+            </a:r>
+            <a:r>
+              <a:rPr lang="ru-RU" dirty="0" smtClean="0"/>
+              <a:t>реестра</a:t>
             </a:r>
           </a:p>
           <a:p>

--- a/diploma.pptx
+++ b/diploma.pptx
@@ -5452,25 +5452,8 @@
             </a:pPr>
             <a:r>
               <a:rPr lang="ru-RU" sz="2600" b="1" i="1" dirty="0" smtClean="0"/>
-              <a:t>1. </a:t>
-            </a:r>
-            <a:r>
-              <a:rPr lang="ru-RU" sz="2600" b="1" i="1" dirty="0" smtClean="0"/>
-              <a:t>По к</a:t>
-            </a:r>
-            <a:r>
-              <a:rPr lang="ru-RU" sz="2600" b="1" i="1" dirty="0" smtClean="0"/>
-              <a:t>орректности </a:t>
-            </a:r>
-            <a:r>
-              <a:rPr lang="ru-RU" sz="2600" b="1" i="1" dirty="0" smtClean="0"/>
-              <a:t>сбора </a:t>
-            </a:r>
-            <a:r>
-              <a:rPr lang="ru-RU" sz="2600" b="1" i="1" dirty="0" smtClean="0"/>
-              <a:t>доказательств:</a:t>
-            </a:r>
-            <a:endParaRPr lang="ru-RU" sz="2600" b="1" i="1" dirty="0" smtClean="0"/>
+              <a:t>1. По корректности сбора доказательств:</a:t>
+            </a:r>
           </a:p>
           <a:p>
             <a:pPr lvl="1"/>
@@ -5530,13 +5513,8 @@
             </a:pPr>
             <a:r>
               <a:rPr lang="ru-RU" sz="2600" b="1" i="1" dirty="0" smtClean="0"/>
-              <a:t>2. </a:t>
-            </a:r>
-            <a:r>
-              <a:rPr lang="ru-RU" sz="2600" b="1" i="1" dirty="0" smtClean="0"/>
-              <a:t>По необходимости остановки функционирования оборудования:</a:t>
-            </a:r>
-            <a:endParaRPr lang="ru-RU" sz="2600" b="1" i="1" dirty="0" smtClean="0"/>
+              <a:t>2. По необходимости остановки функционирования оборудования:</a:t>
+            </a:r>
           </a:p>
           <a:p>
             <a:pPr lvl="1"/>
@@ -5590,33 +5568,16 @@
             </a:pPr>
             <a:r>
               <a:rPr lang="ru-RU" sz="2600" b="1" i="1" dirty="0" smtClean="0"/>
-              <a:t>3. </a:t>
+              <a:t>3. По </a:t>
+            </a:r>
+            <a:r>
+              <a:rPr lang="ru-RU" sz="2600" b="1" i="1" dirty="0" err="1" smtClean="0"/>
+              <a:t>инвазивности</a:t>
             </a:r>
             <a:r>
               <a:rPr lang="ru-RU" sz="2600" b="1" i="1" dirty="0" smtClean="0"/>
-              <a:t>По </a:t>
-            </a:r>
-            <a:r>
-              <a:rPr lang="ru-RU" sz="2600" b="1" i="1" dirty="0" err="1" smtClean="0"/>
-              <a:t>и</a:t>
-            </a:r>
-            <a:r>
-              <a:rPr lang="ru-RU" sz="2600" b="1" i="1" dirty="0" err="1" smtClean="0"/>
-              <a:t>нвазивности</a:t>
-            </a:r>
-            <a:r>
-              <a:rPr lang="ru-RU" sz="2600" b="1" i="1" dirty="0" smtClean="0"/>
-              <a:t> </a:t>
-            </a:r>
-            <a:r>
-              <a:rPr lang="ru-RU" sz="2600" b="1" i="1" dirty="0" smtClean="0"/>
-              <a:t>исследовательских </a:t>
-            </a:r>
-            <a:r>
-              <a:rPr lang="ru-RU" sz="2600" b="1" i="1" dirty="0" smtClean="0"/>
-              <a:t>действий:</a:t>
-            </a:r>
-            <a:endParaRPr lang="ru-RU" sz="2600" b="1" i="1" dirty="0" smtClean="0"/>
+              <a:t> исследовательских действий:</a:t>
+            </a:r>
           </a:p>
           <a:p>
             <a:pPr lvl="1"/>
@@ -5706,7 +5667,7 @@
           <a:p>
             <a:r>
               <a:rPr lang="ru-RU" dirty="0" smtClean="0"/>
-              <a:t>Обзор существующих технологий</a:t>
+              <a:t>Примеры классификации технологий</a:t>
             </a:r>
             <a:endParaRPr lang="ru-RU" dirty="0"/>
           </a:p>
@@ -5901,7 +5862,15 @@
           <a:p>
             <a:r>
               <a:rPr lang="ru-RU" dirty="0" smtClean="0"/>
-              <a:t>Поиск сущностей ОС в дампе памяти</a:t>
+              <a:t>Поиск </a:t>
+            </a:r>
+            <a:r>
+              <a:rPr lang="ru-RU" dirty="0" smtClean="0"/>
+              <a:t>артефактов </a:t>
+            </a:r>
+            <a:r>
+              <a:rPr lang="ru-RU" dirty="0" smtClean="0"/>
+              <a:t>ОС в дампе памяти</a:t>
             </a:r>
             <a:endParaRPr lang="ru-RU" dirty="0"/>
           </a:p>
@@ -5976,11 +5945,7 @@
             </a:pPr>
             <a:r>
               <a:rPr lang="ru-RU" dirty="0" smtClean="0"/>
-              <a:t>Отображение в памяти файла </a:t>
-            </a:r>
-            <a:r>
-              <a:rPr lang="ru-RU" dirty="0" smtClean="0"/>
-              <a:t>реестра</a:t>
+              <a:t>Отображение в памяти файла реестра</a:t>
             </a:r>
           </a:p>
           <a:p>

--- a/diploma.pptx
+++ b/diploma.pptx
@@ -13,16 +13,18 @@
     <p:sldId id="260" r:id="rId7"/>
     <p:sldId id="261" r:id="rId8"/>
     <p:sldId id="262" r:id="rId9"/>
-    <p:sldId id="263" r:id="rId10"/>
-    <p:sldId id="264" r:id="rId11"/>
-    <p:sldId id="265" r:id="rId12"/>
-    <p:sldId id="266" r:id="rId13"/>
-    <p:sldId id="267" r:id="rId14"/>
-    <p:sldId id="268" r:id="rId15"/>
-    <p:sldId id="269" r:id="rId16"/>
-    <p:sldId id="270" r:id="rId17"/>
-    <p:sldId id="271" r:id="rId18"/>
-    <p:sldId id="273" r:id="rId19"/>
+    <p:sldId id="274" r:id="rId10"/>
+    <p:sldId id="263" r:id="rId11"/>
+    <p:sldId id="264" r:id="rId12"/>
+    <p:sldId id="265" r:id="rId13"/>
+    <p:sldId id="275" r:id="rId14"/>
+    <p:sldId id="266" r:id="rId15"/>
+    <p:sldId id="267" r:id="rId16"/>
+    <p:sldId id="268" r:id="rId17"/>
+    <p:sldId id="269" r:id="rId18"/>
+    <p:sldId id="270" r:id="rId19"/>
+    <p:sldId id="271" r:id="rId20"/>
+    <p:sldId id="273" r:id="rId21"/>
   </p:sldIdLst>
   <p:sldSz cx="12192000" cy="6858000"/>
   <p:notesSz cx="6858000" cy="9144000"/>
@@ -157,6 +159,20 @@
 
 <file path=ppt/comments/comment2.xml><?xml version="1.0" encoding="utf-8"?>
 <p:cmLst xmlns:a="http://schemas.openxmlformats.org/drawingml/2006/main" xmlns:r="http://schemas.openxmlformats.org/officeDocument/2006/relationships" xmlns:p="http://schemas.openxmlformats.org/presentationml/2006/main">
+  <p:cm authorId="1" dt="2015-06-02T00:43:29.552" idx="1">
+    <p:pos x="6176" y="451"/>
+    <p:text>Как-то слабо похоже на обзор. Это скорее примеры классификации средств/технологий.</p:text>
+    <p:extLst>
+      <p:ext uri="{C676402C-5697-4E1C-873F-D02D1690AC5C}">
+        <p15:threadingInfo xmlns:p15="http://schemas.microsoft.com/office/powerpoint/2012/main" timeZoneBias="-180"/>
+      </p:ext>
+    </p:extLst>
+  </p:cm>
+</p:cmLst>
+</file>
+
+<file path=ppt/comments/comment3.xml><?xml version="1.0" encoding="utf-8"?>
+<p:cmLst xmlns:a="http://schemas.openxmlformats.org/drawingml/2006/main" xmlns:r="http://schemas.openxmlformats.org/officeDocument/2006/relationships" xmlns:p="http://schemas.openxmlformats.org/presentationml/2006/main">
   <p:cm authorId="1" dt="2015-06-02T00:44:40.061" idx="2">
     <p:pos x="3414" y="451"/>
     <p:text>Может лучше - артифактов?</p:text>
@@ -169,11 +185,25 @@
 </p:cmLst>
 </file>
 
-<file path=ppt/comments/comment3.xml><?xml version="1.0" encoding="utf-8"?>
+<file path=ppt/comments/comment4.xml><?xml version="1.0" encoding="utf-8"?>
 <p:cmLst xmlns:a="http://schemas.openxmlformats.org/drawingml/2006/main" xmlns:r="http://schemas.openxmlformats.org/officeDocument/2006/relationships" xmlns:p="http://schemas.openxmlformats.org/presentationml/2006/main">
   <p:cm authorId="1" dt="2015-06-02T01:20:08.968" idx="3">
     <p:pos x="6378" y="451"/>
     <p:text>Я бы на рисунке прямоугольник Host virtual memory сделал шире, чуть меньше ширины всего рисунка, показав тем самым, что виртуальная память "больше" физической</p:text>
+    <p:extLst>
+      <p:ext uri="{C676402C-5697-4E1C-873F-D02D1690AC5C}">
+        <p15:threadingInfo xmlns:p15="http://schemas.microsoft.com/office/powerpoint/2012/main" timeZoneBias="-180"/>
+      </p:ext>
+    </p:extLst>
+  </p:cm>
+</p:cmLst>
+</file>
+
+<file path=ppt/comments/comment5.xml><?xml version="1.0" encoding="utf-8"?>
+<p:cmLst xmlns:a="http://schemas.openxmlformats.org/drawingml/2006/main" xmlns:r="http://schemas.openxmlformats.org/officeDocument/2006/relationships" xmlns:p="http://schemas.openxmlformats.org/presentationml/2006/main">
+  <p:cm authorId="1" dt="2015-06-02T00:44:40.061" idx="2">
+    <p:pos x="3414" y="451"/>
+    <p:text>Может лучше - артифактов?</p:text>
     <p:extLst>
       <p:ext uri="{C676402C-5697-4E1C-873F-D02D1690AC5C}">
         <p15:threadingInfo xmlns:p15="http://schemas.microsoft.com/office/powerpoint/2012/main" timeZoneBias="-180"/>
@@ -3492,6 +3522,205 @@
           <a:lstStyle/>
           <a:p>
             <a:r>
+              <a:rPr lang="ru-RU" dirty="0" smtClean="0"/>
+              <a:t>Поиск артефактов ОС в дампе памяти</a:t>
+            </a:r>
+            <a:endParaRPr lang="ru-RU" dirty="0"/>
+          </a:p>
+        </p:txBody>
+      </p:sp>
+      <p:sp>
+        <p:nvSpPr>
+          <p:cNvPr id="3" name="Объект 2"/>
+          <p:cNvSpPr>
+            <a:spLocks noGrp="1"/>
+          </p:cNvSpPr>
+          <p:nvPr>
+            <p:ph idx="1"/>
+          </p:nvPr>
+        </p:nvSpPr>
+        <p:spPr>
+          <a:xfrm>
+            <a:off x="682388" y="1825625"/>
+            <a:ext cx="10671412" cy="4351338"/>
+          </a:xfrm>
+        </p:spPr>
+        <p:txBody>
+          <a:bodyPr>
+            <a:normAutofit/>
+          </a:bodyPr>
+          <a:lstStyle/>
+          <a:p>
+            <a:pPr lvl="0">
+              <a:spcBef>
+                <a:spcPts val="0"/>
+              </a:spcBef>
+            </a:pPr>
+            <a:r>
+              <a:rPr lang="ru-RU" dirty="0" smtClean="0"/>
+              <a:t>Список процессов</a:t>
+            </a:r>
+          </a:p>
+          <a:p>
+            <a:pPr marL="0" lvl="0" indent="0">
+              <a:spcBef>
+                <a:spcPts val="0"/>
+              </a:spcBef>
+              <a:buNone/>
+            </a:pPr>
+            <a:r>
+              <a:rPr lang="ru-RU" dirty="0"/>
+              <a:t>	</a:t>
+            </a:r>
+            <a:r>
+              <a:rPr lang="ru-RU" dirty="0" smtClean="0"/>
+              <a:t>_</a:t>
+            </a:r>
+            <a:r>
+              <a:rPr lang="en-US" dirty="0" smtClean="0"/>
+              <a:t>EPROCESS</a:t>
+            </a:r>
+          </a:p>
+          <a:p>
+            <a:pPr marL="0" lvl="0" indent="0">
+              <a:spcBef>
+                <a:spcPts val="0"/>
+              </a:spcBef>
+              <a:buNone/>
+            </a:pPr>
+            <a:endParaRPr lang="ru-RU" dirty="0"/>
+          </a:p>
+          <a:p>
+            <a:pPr>
+              <a:spcBef>
+                <a:spcPts val="0"/>
+              </a:spcBef>
+            </a:pPr>
+            <a:r>
+              <a:rPr lang="ru-RU" dirty="0" smtClean="0"/>
+              <a:t>Отображение в памяти файла реестра</a:t>
+            </a:r>
+          </a:p>
+          <a:p>
+            <a:pPr marL="0" indent="0">
+              <a:spcBef>
+                <a:spcPts val="0"/>
+              </a:spcBef>
+              <a:buNone/>
+            </a:pPr>
+            <a:r>
+              <a:rPr lang="ru-RU" dirty="0"/>
+              <a:t>	</a:t>
+            </a:r>
+            <a:r>
+              <a:rPr lang="ru-RU" dirty="0" smtClean="0"/>
+              <a:t>_</a:t>
+            </a:r>
+            <a:r>
+              <a:rPr lang="en-US" dirty="0" smtClean="0"/>
+              <a:t>CMHIVE</a:t>
+            </a:r>
+          </a:p>
+          <a:p>
+            <a:pPr marL="0" indent="0">
+              <a:spcBef>
+                <a:spcPts val="0"/>
+              </a:spcBef>
+              <a:buNone/>
+            </a:pPr>
+            <a:endParaRPr lang="en-US" dirty="0" smtClean="0"/>
+          </a:p>
+          <a:p>
+            <a:pPr>
+              <a:spcBef>
+                <a:spcPts val="0"/>
+              </a:spcBef>
+            </a:pPr>
+            <a:r>
+              <a:rPr lang="ru-RU" dirty="0" smtClean="0"/>
+              <a:t>Сетевые соединения</a:t>
+            </a:r>
+          </a:p>
+          <a:p>
+            <a:pPr marL="0" indent="0">
+              <a:spcBef>
+                <a:spcPts val="0"/>
+              </a:spcBef>
+              <a:buNone/>
+            </a:pPr>
+            <a:r>
+              <a:rPr lang="ru-RU" dirty="0"/>
+              <a:t>	</a:t>
+            </a:r>
+            <a:r>
+              <a:rPr lang="en-US" dirty="0" smtClean="0"/>
+              <a:t>TCB </a:t>
+            </a:r>
+            <a:r>
+              <a:rPr lang="ru-RU" dirty="0" smtClean="0"/>
+              <a:t>и </a:t>
+            </a:r>
+            <a:r>
+              <a:rPr lang="en-US" dirty="0" smtClean="0"/>
+              <a:t>TcpEndpoint</a:t>
+            </a:r>
+            <a:endParaRPr lang="ru-RU" dirty="0" smtClean="0"/>
+          </a:p>
+        </p:txBody>
+      </p:sp>
+    </p:spTree>
+    <p:extLst>
+      <p:ext uri="{BB962C8B-B14F-4D97-AF65-F5344CB8AC3E}">
+        <p14:creationId xmlns:p14="http://schemas.microsoft.com/office/powerpoint/2010/main" val="3567797930"/>
+      </p:ext>
+    </p:extLst>
+  </p:cSld>
+  <p:clrMapOvr>
+    <a:masterClrMapping/>
+  </p:clrMapOvr>
+  <p:timing>
+    <p:tnLst>
+      <p:par>
+        <p:cTn id="1" dur="indefinite" restart="never" nodeType="tmRoot"/>
+      </p:par>
+    </p:tnLst>
+  </p:timing>
+</p:sld>
+</file>
+
+<file path=ppt/slides/slide11.xml><?xml version="1.0" encoding="utf-8"?>
+<p:sld xmlns:a="http://schemas.openxmlformats.org/drawingml/2006/main" xmlns:r="http://schemas.openxmlformats.org/officeDocument/2006/relationships" xmlns:p="http://schemas.openxmlformats.org/presentationml/2006/main">
+  <p:cSld>
+    <p:spTree>
+      <p:nvGrpSpPr>
+        <p:cNvPr id="1" name=""/>
+        <p:cNvGrpSpPr/>
+        <p:nvPr/>
+      </p:nvGrpSpPr>
+      <p:grpSpPr>
+        <a:xfrm>
+          <a:off x="0" y="0"/>
+          <a:ext cx="0" cy="0"/>
+          <a:chOff x="0" y="0"/>
+          <a:chExt cx="0" cy="0"/>
+        </a:xfrm>
+      </p:grpSpPr>
+      <p:sp>
+        <p:nvSpPr>
+          <p:cNvPr id="2" name="Заголовок 1"/>
+          <p:cNvSpPr>
+            <a:spLocks noGrp="1"/>
+          </p:cNvSpPr>
+          <p:nvPr>
+            <p:ph type="title"/>
+          </p:nvPr>
+        </p:nvSpPr>
+        <p:spPr/>
+        <p:txBody>
+          <a:bodyPr/>
+          <a:lstStyle/>
+          <a:p>
+            <a:r>
               <a:rPr lang="en-US" dirty="0" smtClean="0"/>
               <a:t>QEMU-</a:t>
             </a:r>
@@ -3583,7 +3812,7 @@
 </p:sld>
 </file>
 
-<file path=ppt/slides/slide11.xml><?xml version="1.0" encoding="utf-8"?>
+<file path=ppt/slides/slide12.xml><?xml version="1.0" encoding="utf-8"?>
 <p:sld xmlns:a="http://schemas.openxmlformats.org/drawingml/2006/main" xmlns:r="http://schemas.openxmlformats.org/officeDocument/2006/relationships" xmlns:p="http://schemas.openxmlformats.org/presentationml/2006/main">
   <p:cSld>
     <p:spTree>
@@ -3629,9 +3858,9 @@
       </p:sp>
       <p:pic>
         <p:nvPicPr>
-          <p:cNvPr id="9" name="Объект 8"/>
+          <p:cNvPr id="4" name="Объект 3"/>
           <p:cNvPicPr>
-            <a:picLocks noGrp="1"/>
+            <a:picLocks noGrp="1" noChangeAspect="1"/>
           </p:cNvPicPr>
           <p:nvPr>
             <p:ph idx="1"/>
@@ -3651,12 +3880,9 @@
         </p:blipFill>
         <p:spPr>
           <a:xfrm>
-            <a:off x="2349689" y="1874410"/>
-            <a:ext cx="7492621" cy="4756043"/>
+            <a:off x="2298962" y="1690688"/>
+            <a:ext cx="7594076" cy="4821240"/>
           </a:xfrm>
-          <a:prstGeom prst="rect">
-            <a:avLst/>
-          </a:prstGeom>
         </p:spPr>
       </p:pic>
     </p:spTree>
@@ -3679,7 +3905,149 @@
 </p:sld>
 </file>
 
-<file path=ppt/slides/slide12.xml><?xml version="1.0" encoding="utf-8"?>
+<file path=ppt/slides/slide13.xml><?xml version="1.0" encoding="utf-8"?>
+<p:sld xmlns:a="http://schemas.openxmlformats.org/drawingml/2006/main" xmlns:r="http://schemas.openxmlformats.org/officeDocument/2006/relationships" xmlns:p="http://schemas.openxmlformats.org/presentationml/2006/main">
+  <p:cSld>
+    <p:spTree>
+      <p:nvGrpSpPr>
+        <p:cNvPr id="1" name=""/>
+        <p:cNvGrpSpPr/>
+        <p:nvPr/>
+      </p:nvGrpSpPr>
+      <p:grpSpPr>
+        <a:xfrm>
+          <a:off x="0" y="0"/>
+          <a:ext cx="0" cy="0"/>
+          <a:chOff x="0" y="0"/>
+          <a:chExt cx="0" cy="0"/>
+        </a:xfrm>
+      </p:grpSpPr>
+      <p:sp>
+        <p:nvSpPr>
+          <p:cNvPr id="2" name="Заголовок 1"/>
+          <p:cNvSpPr>
+            <a:spLocks noGrp="1"/>
+          </p:cNvSpPr>
+          <p:nvPr>
+            <p:ph type="title"/>
+          </p:nvPr>
+        </p:nvSpPr>
+        <p:spPr>
+          <a:xfrm>
+            <a:off x="838199" y="365125"/>
+            <a:ext cx="10980761" cy="1325563"/>
+          </a:xfrm>
+        </p:spPr>
+        <p:txBody>
+          <a:bodyPr/>
+          <a:lstStyle/>
+          <a:p>
+            <a:r>
+              <a:rPr lang="ru-RU" dirty="0" smtClean="0"/>
+              <a:t>Программные архитектуры гипервизоров</a:t>
+            </a:r>
+            <a:endParaRPr lang="ru-RU" dirty="0"/>
+          </a:p>
+        </p:txBody>
+      </p:sp>
+      <p:sp>
+        <p:nvSpPr>
+          <p:cNvPr id="3" name="Объект 2"/>
+          <p:cNvSpPr>
+            <a:spLocks noGrp="1"/>
+          </p:cNvSpPr>
+          <p:nvPr>
+            <p:ph idx="1"/>
+          </p:nvPr>
+        </p:nvSpPr>
+        <p:spPr>
+          <a:xfrm>
+            <a:off x="682388" y="1825625"/>
+            <a:ext cx="10671412" cy="4351338"/>
+          </a:xfrm>
+        </p:spPr>
+        <p:txBody>
+          <a:bodyPr>
+            <a:normAutofit/>
+          </a:bodyPr>
+          <a:lstStyle/>
+          <a:p>
+            <a:pPr lvl="0">
+              <a:spcBef>
+                <a:spcPts val="0"/>
+              </a:spcBef>
+            </a:pPr>
+            <a:r>
+              <a:rPr lang="ru-RU" sz="3200" dirty="0" smtClean="0"/>
+              <a:t>Потоковая</a:t>
+            </a:r>
+            <a:endParaRPr lang="en-US" sz="3200" dirty="0" smtClean="0"/>
+          </a:p>
+          <a:p>
+            <a:pPr marL="0" lvl="0" indent="0">
+              <a:spcBef>
+                <a:spcPts val="0"/>
+              </a:spcBef>
+              <a:buNone/>
+            </a:pPr>
+            <a:endParaRPr lang="ru-RU" sz="3200" dirty="0"/>
+          </a:p>
+          <a:p>
+            <a:pPr>
+              <a:spcBef>
+                <a:spcPts val="0"/>
+              </a:spcBef>
+            </a:pPr>
+            <a:r>
+              <a:rPr lang="ru-RU" sz="3200" dirty="0" smtClean="0"/>
+              <a:t>Событийная</a:t>
+            </a:r>
+            <a:endParaRPr lang="en-US" sz="3200" dirty="0" smtClean="0"/>
+          </a:p>
+          <a:p>
+            <a:pPr marL="0" indent="0">
+              <a:spcBef>
+                <a:spcPts val="0"/>
+              </a:spcBef>
+              <a:buNone/>
+            </a:pPr>
+            <a:endParaRPr lang="en-US" sz="3200" dirty="0" smtClean="0"/>
+          </a:p>
+          <a:p>
+            <a:pPr>
+              <a:spcBef>
+                <a:spcPts val="0"/>
+              </a:spcBef>
+            </a:pPr>
+            <a:r>
+              <a:rPr lang="ru-RU" sz="3200" dirty="0" smtClean="0"/>
+              <a:t>Гибридная</a:t>
+            </a:r>
+            <a:endParaRPr lang="ru-RU" sz="3200" dirty="0" smtClean="0"/>
+          </a:p>
+        </p:txBody>
+      </p:sp>
+    </p:spTree>
+    <p:extLst>
+      <p:ext uri="{BB962C8B-B14F-4D97-AF65-F5344CB8AC3E}">
+        <p14:creationId xmlns:p14="http://schemas.microsoft.com/office/powerpoint/2010/main" val="2149566020"/>
+      </p:ext>
+    </p:extLst>
+  </p:cSld>
+  <p:clrMapOvr>
+    <a:masterClrMapping/>
+  </p:clrMapOvr>
+  <p:timing>
+    <p:tnLst>
+      <p:par>
+        <p:cTn id="1" dur="indefinite" restart="never" nodeType="tmRoot"/>
+      </p:par>
+    </p:tnLst>
+  </p:timing>
+</p:sld>
+</file>
+
+<file path=ppt/slides/slide14.xml><?xml version="1.0" encoding="utf-8"?>
 <p:sld xmlns:a="http://schemas.openxmlformats.org/drawingml/2006/main" xmlns:r="http://schemas.openxmlformats.org/officeDocument/2006/relationships" xmlns:p="http://schemas.openxmlformats.org/presentationml/2006/main">
   <p:cSld>
     <p:spTree>
@@ -4000,7 +4368,7 @@
 </p:sld>
 </file>
 
-<file path=ppt/slides/slide13.xml><?xml version="1.0" encoding="utf-8"?>
+<file path=ppt/slides/slide15.xml><?xml version="1.0" encoding="utf-8"?>
 <p:sld xmlns:a="http://schemas.openxmlformats.org/drawingml/2006/main" xmlns:r="http://schemas.openxmlformats.org/officeDocument/2006/relationships" xmlns:p="http://schemas.openxmlformats.org/presentationml/2006/main">
   <p:cSld>
     <p:spTree>
@@ -4100,7 +4468,7 @@
 </p:sld>
 </file>
 
-<file path=ppt/slides/slide14.xml><?xml version="1.0" encoding="utf-8"?>
+<file path=ppt/slides/slide16.xml><?xml version="1.0" encoding="utf-8"?>
 <p:sld xmlns:a="http://schemas.openxmlformats.org/drawingml/2006/main" xmlns:r="http://schemas.openxmlformats.org/officeDocument/2006/relationships" xmlns:p="http://schemas.openxmlformats.org/presentationml/2006/main">
   <p:cSld>
     <p:spTree>
@@ -4251,7 +4619,7 @@
 </p:sld>
 </file>
 
-<file path=ppt/slides/slide15.xml><?xml version="1.0" encoding="utf-8"?>
+<file path=ppt/slides/slide17.xml><?xml version="1.0" encoding="utf-8"?>
 <p:sld xmlns:a="http://schemas.openxmlformats.org/drawingml/2006/main" xmlns:r="http://schemas.openxmlformats.org/officeDocument/2006/relationships" xmlns:p="http://schemas.openxmlformats.org/presentationml/2006/main">
   <p:cSld>
     <p:spTree>
@@ -4343,7 +4711,7 @@
 </p:sld>
 </file>
 
-<file path=ppt/slides/slide16.xml><?xml version="1.0" encoding="utf-8"?>
+<file path=ppt/slides/slide18.xml><?xml version="1.0" encoding="utf-8"?>
 <p:sld xmlns:a="http://schemas.openxmlformats.org/drawingml/2006/main" xmlns:r="http://schemas.openxmlformats.org/officeDocument/2006/relationships" xmlns:p="http://schemas.openxmlformats.org/presentationml/2006/main">
   <p:cSld>
     <p:spTree>
@@ -4435,7 +4803,7 @@
 </p:sld>
 </file>
 
-<file path=ppt/slides/slide17.xml><?xml version="1.0" encoding="utf-8"?>
+<file path=ppt/slides/slide19.xml><?xml version="1.0" encoding="utf-8"?>
 <p:sld xmlns:a="http://schemas.openxmlformats.org/drawingml/2006/main" xmlns:r="http://schemas.openxmlformats.org/officeDocument/2006/relationships" xmlns:p="http://schemas.openxmlformats.org/presentationml/2006/main">
   <p:cSld>
     <p:spTree>
@@ -4595,141 +4963,6 @@
     <p:extLst>
       <p:ext uri="{BB962C8B-B14F-4D97-AF65-F5344CB8AC3E}">
         <p14:creationId xmlns:p14="http://schemas.microsoft.com/office/powerpoint/2010/main" val="1953619793"/>
-      </p:ext>
-    </p:extLst>
-  </p:cSld>
-  <p:clrMapOvr>
-    <a:masterClrMapping/>
-  </p:clrMapOvr>
-  <p:timing>
-    <p:tnLst>
-      <p:par>
-        <p:cTn id="1" dur="indefinite" restart="never" nodeType="tmRoot"/>
-      </p:par>
-    </p:tnLst>
-  </p:timing>
-</p:sld>
-</file>
-
-<file path=ppt/slides/slide18.xml><?xml version="1.0" encoding="utf-8"?>
-<p:sld xmlns:a="http://schemas.openxmlformats.org/drawingml/2006/main" xmlns:r="http://schemas.openxmlformats.org/officeDocument/2006/relationships" xmlns:p="http://schemas.openxmlformats.org/presentationml/2006/main">
-  <p:cSld>
-    <p:spTree>
-      <p:nvGrpSpPr>
-        <p:cNvPr id="1" name=""/>
-        <p:cNvGrpSpPr/>
-        <p:nvPr/>
-      </p:nvGrpSpPr>
-      <p:grpSpPr>
-        <a:xfrm>
-          <a:off x="0" y="0"/>
-          <a:ext cx="0" cy="0"/>
-          <a:chOff x="0" y="0"/>
-          <a:chExt cx="0" cy="0"/>
-        </a:xfrm>
-      </p:grpSpPr>
-      <p:sp>
-        <p:nvSpPr>
-          <p:cNvPr id="2" name="Заголовок 1"/>
-          <p:cNvSpPr>
-            <a:spLocks noGrp="1"/>
-          </p:cNvSpPr>
-          <p:nvPr>
-            <p:ph type="title"/>
-          </p:nvPr>
-        </p:nvSpPr>
-        <p:spPr/>
-        <p:txBody>
-          <a:bodyPr/>
-          <a:lstStyle/>
-          <a:p>
-            <a:r>
-              <a:rPr lang="ru-RU" dirty="0" smtClean="0"/>
-              <a:t>Перспективы развития</a:t>
-            </a:r>
-            <a:endParaRPr lang="ru-RU" dirty="0"/>
-          </a:p>
-        </p:txBody>
-      </p:sp>
-      <p:sp>
-        <p:nvSpPr>
-          <p:cNvPr id="3" name="Объект 2"/>
-          <p:cNvSpPr>
-            <a:spLocks noGrp="1"/>
-          </p:cNvSpPr>
-          <p:nvPr>
-            <p:ph idx="1"/>
-          </p:nvPr>
-        </p:nvSpPr>
-        <p:spPr>
-          <a:xfrm>
-            <a:off x="682388" y="1825625"/>
-            <a:ext cx="10863618" cy="4351338"/>
-          </a:xfrm>
-        </p:spPr>
-        <p:txBody>
-          <a:bodyPr>
-            <a:normAutofit/>
-          </a:bodyPr>
-          <a:lstStyle/>
-          <a:p>
-            <a:pPr marL="0" indent="0">
-              <a:spcAft>
-                <a:spcPts val="2400"/>
-              </a:spcAft>
-              <a:buNone/>
-            </a:pPr>
-            <a:r>
-              <a:rPr lang="ru-RU" sz="3200" dirty="0" smtClean="0"/>
-              <a:t>Дальнейшим направлением деятельности станет: </a:t>
-            </a:r>
-          </a:p>
-          <a:p>
-            <a:pPr lvl="1">
-              <a:spcAft>
-                <a:spcPts val="600"/>
-              </a:spcAft>
-            </a:pPr>
-            <a:r>
-              <a:rPr lang="ru-RU" sz="3200" dirty="0" smtClean="0"/>
-              <a:t>изучение </a:t>
-            </a:r>
-            <a:r>
-              <a:rPr lang="ru-RU" sz="3200" dirty="0"/>
-              <a:t>отображения физической памяти гостевой операционной системы на память сервера виртуализации</a:t>
-            </a:r>
-            <a:endParaRPr lang="ru-RU" sz="3200" dirty="0" smtClean="0"/>
-          </a:p>
-          <a:p>
-            <a:pPr lvl="1">
-              <a:spcAft>
-                <a:spcPts val="600"/>
-              </a:spcAft>
-            </a:pPr>
-            <a:r>
-              <a:rPr lang="ru-RU" sz="3200" dirty="0" smtClean="0"/>
-              <a:t>модификация архитектуры комплекса</a:t>
-            </a:r>
-            <a:endParaRPr lang="ru-RU" sz="3200" dirty="0"/>
-          </a:p>
-          <a:p>
-            <a:pPr lvl="1">
-              <a:spcAft>
-                <a:spcPts val="600"/>
-              </a:spcAft>
-            </a:pPr>
-            <a:r>
-              <a:rPr lang="ru-RU" sz="3200" dirty="0" smtClean="0"/>
-              <a:t>разработка и апробация программного инструмента</a:t>
-            </a:r>
-            <a:endParaRPr lang="ru-RU" sz="3200" dirty="0"/>
-          </a:p>
-        </p:txBody>
-      </p:sp>
-    </p:spTree>
-    <p:extLst>
-      <p:ext uri="{BB962C8B-B14F-4D97-AF65-F5344CB8AC3E}">
-        <p14:creationId xmlns:p14="http://schemas.microsoft.com/office/powerpoint/2010/main" val="759597983"/>
       </p:ext>
     </p:extLst>
   </p:cSld>
@@ -4900,6 +5133,141 @@
     <p:extLst>
       <p:ext uri="{BB962C8B-B14F-4D97-AF65-F5344CB8AC3E}">
         <p14:creationId xmlns:p14="http://schemas.microsoft.com/office/powerpoint/2010/main" val="2662118211"/>
+      </p:ext>
+    </p:extLst>
+  </p:cSld>
+  <p:clrMapOvr>
+    <a:masterClrMapping/>
+  </p:clrMapOvr>
+  <p:timing>
+    <p:tnLst>
+      <p:par>
+        <p:cTn id="1" dur="indefinite" restart="never" nodeType="tmRoot"/>
+      </p:par>
+    </p:tnLst>
+  </p:timing>
+</p:sld>
+</file>
+
+<file path=ppt/slides/slide20.xml><?xml version="1.0" encoding="utf-8"?>
+<p:sld xmlns:a="http://schemas.openxmlformats.org/drawingml/2006/main" xmlns:r="http://schemas.openxmlformats.org/officeDocument/2006/relationships" xmlns:p="http://schemas.openxmlformats.org/presentationml/2006/main">
+  <p:cSld>
+    <p:spTree>
+      <p:nvGrpSpPr>
+        <p:cNvPr id="1" name=""/>
+        <p:cNvGrpSpPr/>
+        <p:nvPr/>
+      </p:nvGrpSpPr>
+      <p:grpSpPr>
+        <a:xfrm>
+          <a:off x="0" y="0"/>
+          <a:ext cx="0" cy="0"/>
+          <a:chOff x="0" y="0"/>
+          <a:chExt cx="0" cy="0"/>
+        </a:xfrm>
+      </p:grpSpPr>
+      <p:sp>
+        <p:nvSpPr>
+          <p:cNvPr id="2" name="Заголовок 1"/>
+          <p:cNvSpPr>
+            <a:spLocks noGrp="1"/>
+          </p:cNvSpPr>
+          <p:nvPr>
+            <p:ph type="title"/>
+          </p:nvPr>
+        </p:nvSpPr>
+        <p:spPr/>
+        <p:txBody>
+          <a:bodyPr/>
+          <a:lstStyle/>
+          <a:p>
+            <a:r>
+              <a:rPr lang="ru-RU" dirty="0" smtClean="0"/>
+              <a:t>Перспективы развития</a:t>
+            </a:r>
+            <a:endParaRPr lang="ru-RU" dirty="0"/>
+          </a:p>
+        </p:txBody>
+      </p:sp>
+      <p:sp>
+        <p:nvSpPr>
+          <p:cNvPr id="3" name="Объект 2"/>
+          <p:cNvSpPr>
+            <a:spLocks noGrp="1"/>
+          </p:cNvSpPr>
+          <p:nvPr>
+            <p:ph idx="1"/>
+          </p:nvPr>
+        </p:nvSpPr>
+        <p:spPr>
+          <a:xfrm>
+            <a:off x="682388" y="1825625"/>
+            <a:ext cx="10863618" cy="4351338"/>
+          </a:xfrm>
+        </p:spPr>
+        <p:txBody>
+          <a:bodyPr>
+            <a:normAutofit/>
+          </a:bodyPr>
+          <a:lstStyle/>
+          <a:p>
+            <a:pPr marL="0" indent="0">
+              <a:spcAft>
+                <a:spcPts val="2400"/>
+              </a:spcAft>
+              <a:buNone/>
+            </a:pPr>
+            <a:r>
+              <a:rPr lang="ru-RU" sz="3200" dirty="0" smtClean="0"/>
+              <a:t>Дальнейшим направлением деятельности станет: </a:t>
+            </a:r>
+          </a:p>
+          <a:p>
+            <a:pPr lvl="1">
+              <a:spcAft>
+                <a:spcPts val="600"/>
+              </a:spcAft>
+            </a:pPr>
+            <a:r>
+              <a:rPr lang="ru-RU" sz="3200" dirty="0" smtClean="0"/>
+              <a:t>изучение </a:t>
+            </a:r>
+            <a:r>
+              <a:rPr lang="ru-RU" sz="3200" dirty="0"/>
+              <a:t>отображения физической памяти гостевой операционной системы на память сервера виртуализации</a:t>
+            </a:r>
+            <a:endParaRPr lang="ru-RU" sz="3200" dirty="0" smtClean="0"/>
+          </a:p>
+          <a:p>
+            <a:pPr lvl="1">
+              <a:spcAft>
+                <a:spcPts val="600"/>
+              </a:spcAft>
+            </a:pPr>
+            <a:r>
+              <a:rPr lang="ru-RU" sz="3200" dirty="0" smtClean="0"/>
+              <a:t>модификация архитектуры комплекса</a:t>
+            </a:r>
+            <a:endParaRPr lang="ru-RU" sz="3200" dirty="0"/>
+          </a:p>
+          <a:p>
+            <a:pPr lvl="1">
+              <a:spcAft>
+                <a:spcPts val="600"/>
+              </a:spcAft>
+            </a:pPr>
+            <a:r>
+              <a:rPr lang="ru-RU" sz="3200" dirty="0" smtClean="0"/>
+              <a:t>разработка и апробация программного инструмента</a:t>
+            </a:r>
+            <a:endParaRPr lang="ru-RU" sz="3200" dirty="0"/>
+          </a:p>
+        </p:txBody>
+      </p:sp>
+    </p:spTree>
+    <p:extLst>
+      <p:ext uri="{BB962C8B-B14F-4D97-AF65-F5344CB8AC3E}">
+        <p14:creationId xmlns:p14="http://schemas.microsoft.com/office/powerpoint/2010/main" val="759597983"/>
       </p:ext>
     </p:extLst>
   </p:cSld>
@@ -5862,15 +6230,7 @@
           <a:p>
             <a:r>
               <a:rPr lang="ru-RU" dirty="0" smtClean="0"/>
-              <a:t>Поиск </a:t>
-            </a:r>
-            <a:r>
-              <a:rPr lang="ru-RU" dirty="0" smtClean="0"/>
-              <a:t>артефактов </a:t>
-            </a:r>
-            <a:r>
-              <a:rPr lang="ru-RU" dirty="0" smtClean="0"/>
-              <a:t>ОС в дампе памяти</a:t>
+              <a:t>Обзор существующих технологий</a:t>
             </a:r>
             <a:endParaRPr lang="ru-RU" dirty="0"/>
           </a:p>
@@ -5898,55 +6258,30 @@
           </a:bodyPr>
           <a:lstStyle/>
           <a:p>
-            <a:pPr lvl="0">
+            <a:pPr marL="0" indent="0">
+              <a:buNone/>
+            </a:pPr>
+            <a:r>
+              <a:rPr lang="ru-RU" dirty="0" smtClean="0"/>
+              <a:t>Средства </a:t>
+            </a:r>
+            <a:r>
+              <a:rPr lang="ru-RU" dirty="0"/>
+              <a:t>анализа образов памяти</a:t>
+            </a:r>
+            <a:endParaRPr lang="ru-RU" dirty="0"/>
+          </a:p>
+          <a:p>
+            <a:pPr lvl="1">
               <a:spcBef>
                 <a:spcPts val="0"/>
               </a:spcBef>
             </a:pPr>
             <a:r>
-              <a:rPr lang="ru-RU" dirty="0" smtClean="0"/>
-              <a:t>Список процессов</a:t>
-            </a:r>
-          </a:p>
-          <a:p>
-            <a:pPr marL="0" lvl="0" indent="0">
-              <a:spcBef>
-                <a:spcPts val="0"/>
-              </a:spcBef>
-              <a:buNone/>
-            </a:pPr>
-            <a:r>
-              <a:rPr lang="ru-RU" dirty="0"/>
-              <a:t>	</a:t>
-            </a:r>
-            <a:r>
-              <a:rPr lang="ru-RU" dirty="0" smtClean="0"/>
-              <a:t>_</a:t>
-            </a:r>
-            <a:r>
-              <a:rPr lang="en-US" dirty="0" smtClean="0"/>
-              <a:t>EPROCESS</a:t>
-            </a:r>
-          </a:p>
-          <a:p>
-            <a:pPr marL="0" lvl="0" indent="0">
-              <a:spcBef>
-                <a:spcPts val="0"/>
-              </a:spcBef>
-              <a:buNone/>
-            </a:pPr>
-            <a:endParaRPr lang="ru-RU" dirty="0"/>
-          </a:p>
-          <a:p>
-            <a:pPr>
-              <a:spcBef>
-                <a:spcPts val="0"/>
-              </a:spcBef>
-            </a:pPr>
-            <a:r>
-              <a:rPr lang="ru-RU" dirty="0" smtClean="0"/>
-              <a:t>Отображение в памяти файла реестра</a:t>
-            </a:r>
+              <a:rPr lang="en-US" sz="2800" dirty="0" smtClean="0"/>
+              <a:t>Volatility Framework</a:t>
+            </a:r>
+            <a:endParaRPr lang="ru-RU" sz="2800" dirty="0"/>
           </a:p>
           <a:p>
             <a:pPr marL="0" indent="0">
@@ -5955,18 +6290,7 @@
               </a:spcBef>
               <a:buNone/>
             </a:pPr>
-            <a:r>
-              <a:rPr lang="ru-RU" dirty="0"/>
-              <a:t>	</a:t>
-            </a:r>
-            <a:r>
-              <a:rPr lang="ru-RU" dirty="0" smtClean="0"/>
-              <a:t>_</a:t>
-            </a:r>
-            <a:r>
-              <a:rPr lang="en-US" dirty="0" smtClean="0"/>
-              <a:t>CMHIVE</a:t>
-            </a:r>
+            <a:endParaRPr lang="ru-RU" dirty="0"/>
           </a:p>
           <a:p>
             <a:pPr marL="0" indent="0">
@@ -5975,50 +6299,49 @@
               </a:spcBef>
               <a:buNone/>
             </a:pPr>
-            <a:endParaRPr lang="en-US" dirty="0" smtClean="0"/>
-          </a:p>
-          <a:p>
-            <a:pPr>
+            <a:r>
+              <a:rPr lang="ru-RU" dirty="0"/>
+              <a:t>Средства мониторинга виртуальных систем</a:t>
+            </a:r>
+            <a:r>
+              <a:rPr lang="ru-RU" i="1" dirty="0" smtClean="0"/>
+              <a:t>.</a:t>
+            </a:r>
+            <a:endParaRPr lang="ru-RU" dirty="0"/>
+          </a:p>
+          <a:p>
+            <a:pPr lvl="1">
               <a:spcBef>
                 <a:spcPts val="0"/>
               </a:spcBef>
             </a:pPr>
             <a:r>
-              <a:rPr lang="ru-RU" dirty="0" smtClean="0"/>
-              <a:t>Сетевые соединения</a:t>
-            </a:r>
-          </a:p>
-          <a:p>
-            <a:pPr marL="0" indent="0">
+              <a:rPr lang="en-US" sz="2800" dirty="0" err="1" smtClean="0"/>
+              <a:t>Veeam</a:t>
+            </a:r>
+            <a:r>
+              <a:rPr lang="en-US" sz="2800" dirty="0" smtClean="0"/>
+              <a:t> One</a:t>
+            </a:r>
+          </a:p>
+          <a:p>
+            <a:pPr lvl="1">
               <a:spcBef>
                 <a:spcPts val="0"/>
               </a:spcBef>
-              <a:buNone/>
-            </a:pPr>
-            <a:r>
-              <a:rPr lang="ru-RU" dirty="0"/>
-              <a:t>	</a:t>
-            </a:r>
-            <a:r>
-              <a:rPr lang="en-US" dirty="0" smtClean="0"/>
-              <a:t>TCB </a:t>
-            </a:r>
-            <a:r>
-              <a:rPr lang="ru-RU" dirty="0" smtClean="0"/>
-              <a:t>и </a:t>
-            </a:r>
-            <a:r>
-              <a:rPr lang="en-US" dirty="0" smtClean="0"/>
-              <a:t>TcpEndpoint</a:t>
-            </a:r>
-            <a:endParaRPr lang="ru-RU" dirty="0" smtClean="0"/>
+            </a:pPr>
+            <a:r>
+              <a:rPr lang="en-US" sz="2800" dirty="0" err="1" smtClean="0"/>
+              <a:t>Naumen</a:t>
+            </a:r>
+            <a:endParaRPr lang="ru-RU" sz="2800" dirty="0"/>
           </a:p>
         </p:txBody>
       </p:sp>
     </p:spTree>
     <p:extLst>
       <p:ext uri="{BB962C8B-B14F-4D97-AF65-F5344CB8AC3E}">
-        <p14:creationId xmlns:p14="http://schemas.microsoft.com/office/powerpoint/2010/main" val="3567797930"/>
+        <p14:creationId xmlns:p14="http://schemas.microsoft.com/office/powerpoint/2010/main" val="2683933014"/>
       </p:ext>
     </p:extLst>
   </p:cSld>
